--- a/Projet_7.pptx
+++ b/Projet_7.pptx
@@ -14445,7 +14445,7 @@
           <p:nvPr>
             <p:extLst>
               <p:ext uri="{D42A27DB-BD31-4B8C-83A1-F6EECF244321}">
-                <p14:modId xmlns:p14="http://schemas.microsoft.com/office/powerpoint/2010/main" val="341476126"/>
+                <p14:modId xmlns:p14="http://schemas.microsoft.com/office/powerpoint/2010/main" val="3041994562"/>
               </p:ext>
             </p:extLst>
           </p:nvPr>
@@ -14857,7 +14857,7 @@
                       <a:pPr algn="ctr"/>
                       <a:r>
                         <a:rPr lang="fr-FR" dirty="0"/>
-                        <a:t>Pas de gain, pas de perte ni de gain</a:t>
+                        <a:t>Pas de perte ni de gain</a:t>
                       </a:r>
                     </a:p>
                   </a:txBody>
@@ -14941,13 +14941,13 @@
   <p:clrMapOvr>
     <a:masterClrMapping/>
   </p:clrMapOvr>
-  <mc:AlternateContent xmlns:mc="http://schemas.openxmlformats.org/markup-compatibility/2006">
-    <mc:Choice xmlns:p159="http://schemas.microsoft.com/office/powerpoint/2015/09/main" Requires="p159">
+  <mc:AlternateContent xmlns:mc="http://schemas.openxmlformats.org/markup-compatibility/2006" xmlns:p159="http://schemas.microsoft.com/office/powerpoint/2015/09/main">
+    <mc:Choice Requires="p159">
       <p:transition xmlns:p14="http://schemas.microsoft.com/office/powerpoint/2010/main" spd="slow" p14:dur="2000">
         <p159:morph option="byObject"/>
       </p:transition>
     </mc:Choice>
-    <mc:Fallback>
+    <mc:Fallback xmlns="">
       <p:transition spd="slow">
         <p:fade/>
       </p:transition>
